--- a/analyses/simulation_study/Figures/relationship_cov_fold-change.pptx
+++ b/analyses/simulation_study/Figures/relationship_cov_fold-change.pptx
@@ -254,7 +254,7 @@
           <a:p>
             <a:fld id="{B4855210-F22F-FD49-86B5-94BC5F1DC7DB}" type="datetimeFigureOut">
               <a:rPr lang="en-US" smtClean="0"/>
-              <a:t>10/31/18</a:t>
+              <a:t>11/13/18</a:t>
             </a:fld>
             <a:endParaRPr lang="en-US"/>
           </a:p>
@@ -424,7 +424,7 @@
           <a:p>
             <a:fld id="{B4855210-F22F-FD49-86B5-94BC5F1DC7DB}" type="datetimeFigureOut">
               <a:rPr lang="en-US" smtClean="0"/>
-              <a:t>10/31/18</a:t>
+              <a:t>11/13/18</a:t>
             </a:fld>
             <a:endParaRPr lang="en-US"/>
           </a:p>
@@ -604,7 +604,7 @@
           <a:p>
             <a:fld id="{B4855210-F22F-FD49-86B5-94BC5F1DC7DB}" type="datetimeFigureOut">
               <a:rPr lang="en-US" smtClean="0"/>
-              <a:t>10/31/18</a:t>
+              <a:t>11/13/18</a:t>
             </a:fld>
             <a:endParaRPr lang="en-US"/>
           </a:p>
@@ -774,7 +774,7 @@
           <a:p>
             <a:fld id="{B4855210-F22F-FD49-86B5-94BC5F1DC7DB}" type="datetimeFigureOut">
               <a:rPr lang="en-US" smtClean="0"/>
-              <a:t>10/31/18</a:t>
+              <a:t>11/13/18</a:t>
             </a:fld>
             <a:endParaRPr lang="en-US"/>
           </a:p>
@@ -1018,7 +1018,7 @@
           <a:p>
             <a:fld id="{B4855210-F22F-FD49-86B5-94BC5F1DC7DB}" type="datetimeFigureOut">
               <a:rPr lang="en-US" smtClean="0"/>
-              <a:t>10/31/18</a:t>
+              <a:t>11/13/18</a:t>
             </a:fld>
             <a:endParaRPr lang="en-US"/>
           </a:p>
@@ -1250,7 +1250,7 @@
           <a:p>
             <a:fld id="{B4855210-F22F-FD49-86B5-94BC5F1DC7DB}" type="datetimeFigureOut">
               <a:rPr lang="en-US" smtClean="0"/>
-              <a:t>10/31/18</a:t>
+              <a:t>11/13/18</a:t>
             </a:fld>
             <a:endParaRPr lang="en-US"/>
           </a:p>
@@ -1617,7 +1617,7 @@
           <a:p>
             <a:fld id="{B4855210-F22F-FD49-86B5-94BC5F1DC7DB}" type="datetimeFigureOut">
               <a:rPr lang="en-US" smtClean="0"/>
-              <a:t>10/31/18</a:t>
+              <a:t>11/13/18</a:t>
             </a:fld>
             <a:endParaRPr lang="en-US"/>
           </a:p>
@@ -1735,7 +1735,7 @@
           <a:p>
             <a:fld id="{B4855210-F22F-FD49-86B5-94BC5F1DC7DB}" type="datetimeFigureOut">
               <a:rPr lang="en-US" smtClean="0"/>
-              <a:t>10/31/18</a:t>
+              <a:t>11/13/18</a:t>
             </a:fld>
             <a:endParaRPr lang="en-US"/>
           </a:p>
@@ -1830,7 +1830,7 @@
           <a:p>
             <a:fld id="{B4855210-F22F-FD49-86B5-94BC5F1DC7DB}" type="datetimeFigureOut">
               <a:rPr lang="en-US" smtClean="0"/>
-              <a:t>10/31/18</a:t>
+              <a:t>11/13/18</a:t>
             </a:fld>
             <a:endParaRPr lang="en-US"/>
           </a:p>
@@ -2107,7 +2107,7 @@
           <a:p>
             <a:fld id="{B4855210-F22F-FD49-86B5-94BC5F1DC7DB}" type="datetimeFigureOut">
               <a:rPr lang="en-US" smtClean="0"/>
-              <a:t>10/31/18</a:t>
+              <a:t>11/13/18</a:t>
             </a:fld>
             <a:endParaRPr lang="en-US"/>
           </a:p>
@@ -2364,7 +2364,7 @@
           <a:p>
             <a:fld id="{B4855210-F22F-FD49-86B5-94BC5F1DC7DB}" type="datetimeFigureOut">
               <a:rPr lang="en-US" smtClean="0"/>
-              <a:t>10/31/18</a:t>
+              <a:t>11/13/18</a:t>
             </a:fld>
             <a:endParaRPr lang="en-US"/>
           </a:p>
@@ -2577,7 +2577,7 @@
           <a:p>
             <a:fld id="{B4855210-F22F-FD49-86B5-94BC5F1DC7DB}" type="datetimeFigureOut">
               <a:rPr lang="en-US" smtClean="0"/>
-              <a:t>10/31/18</a:t>
+              <a:t>11/13/18</a:t>
             </a:fld>
             <a:endParaRPr lang="en-US"/>
           </a:p>
@@ -2992,10 +2992,10 @@
       </p:grpSpPr>
       <p:pic>
         <p:nvPicPr>
-          <p:cNvPr id="7" name="Picture 6">
+          <p:cNvPr id="14" name="Picture 13">
             <a:extLst>
               <a:ext uri="{FF2B5EF4-FFF2-40B4-BE49-F238E27FC236}">
-                <a16:creationId xmlns:a16="http://schemas.microsoft.com/office/drawing/2014/main" id="{C0B94CD8-ADEB-C446-91B9-58C86DE7DD99}"/>
+                <a16:creationId xmlns:a16="http://schemas.microsoft.com/office/drawing/2014/main" id="{39E4BA6E-AF24-144F-83ED-7B10EE1E805D}"/>
               </a:ext>
             </a:extLst>
           </p:cNvPr>
@@ -3012,20 +3012,160 @@
         </p:blipFill>
         <p:spPr>
           <a:xfrm>
-            <a:off x="460251" y="3070409"/>
-            <a:ext cx="4063176" cy="2905170"/>
+            <a:off x="318372" y="431022"/>
+            <a:ext cx="3799100" cy="2442279"/>
           </a:xfrm>
           <a:prstGeom prst="rect">
             <a:avLst/>
           </a:prstGeom>
         </p:spPr>
       </p:pic>
+      <p:sp>
+        <p:nvSpPr>
+          <p:cNvPr id="12" name="TextBox 11">
+            <a:extLst>
+              <a:ext uri="{FF2B5EF4-FFF2-40B4-BE49-F238E27FC236}">
+                <a16:creationId xmlns:a16="http://schemas.microsoft.com/office/drawing/2014/main" id="{4100477E-9DBE-BD4B-8D1A-E3DAD28BBC6A}"/>
+              </a:ext>
+            </a:extLst>
+          </p:cNvPr>
+          <p:cNvSpPr txBox="1"/>
+          <p:nvPr/>
+        </p:nvSpPr>
+        <p:spPr>
+          <a:xfrm>
+            <a:off x="152360" y="0"/>
+            <a:ext cx="811913" cy="553998"/>
+          </a:xfrm>
+          <a:prstGeom prst="rect">
+            <a:avLst/>
+          </a:prstGeom>
+          <a:noFill/>
+        </p:spPr>
+        <p:txBody>
+          <a:bodyPr wrap="square" rtlCol="0">
+            <a:spAutoFit/>
+          </a:bodyPr>
+          <a:lstStyle/>
+          <a:p>
+            <a:r>
+              <a:rPr lang="en-US" sz="3000" b="1" dirty="0"/>
+              <a:t>A.</a:t>
+            </a:r>
+          </a:p>
+        </p:txBody>
+      </p:sp>
+      <p:sp>
+        <p:nvSpPr>
+          <p:cNvPr id="19" name="TextBox 18">
+            <a:extLst>
+              <a:ext uri="{FF2B5EF4-FFF2-40B4-BE49-F238E27FC236}">
+                <a16:creationId xmlns:a16="http://schemas.microsoft.com/office/drawing/2014/main" id="{AA5BA7A6-C9E7-E046-A2D5-92E9811BDE6D}"/>
+              </a:ext>
+            </a:extLst>
+          </p:cNvPr>
+          <p:cNvSpPr txBox="1"/>
+          <p:nvPr/>
+        </p:nvSpPr>
+        <p:spPr>
+          <a:xfrm>
+            <a:off x="4117472" y="0"/>
+            <a:ext cx="811913" cy="553998"/>
+          </a:xfrm>
+          <a:prstGeom prst="rect">
+            <a:avLst/>
+          </a:prstGeom>
+          <a:noFill/>
+        </p:spPr>
+        <p:txBody>
+          <a:bodyPr wrap="square" rtlCol="0">
+            <a:spAutoFit/>
+          </a:bodyPr>
+          <a:lstStyle/>
+          <a:p>
+            <a:r>
+              <a:rPr lang="en-US" sz="3000" b="1" dirty="0"/>
+              <a:t>B.</a:t>
+            </a:r>
+          </a:p>
+        </p:txBody>
+      </p:sp>
+      <p:sp>
+        <p:nvSpPr>
+          <p:cNvPr id="21" name="TextBox 20">
+            <a:extLst>
+              <a:ext uri="{FF2B5EF4-FFF2-40B4-BE49-F238E27FC236}">
+                <a16:creationId xmlns:a16="http://schemas.microsoft.com/office/drawing/2014/main" id="{79DC0E1D-CA77-4645-9BA2-6EAC9BF91923}"/>
+              </a:ext>
+            </a:extLst>
+          </p:cNvPr>
+          <p:cNvSpPr txBox="1"/>
+          <p:nvPr/>
+        </p:nvSpPr>
+        <p:spPr>
+          <a:xfrm>
+            <a:off x="152359" y="2872562"/>
+            <a:ext cx="811913" cy="553998"/>
+          </a:xfrm>
+          <a:prstGeom prst="rect">
+            <a:avLst/>
+          </a:prstGeom>
+          <a:noFill/>
+        </p:spPr>
+        <p:txBody>
+          <a:bodyPr wrap="square" rtlCol="0">
+            <a:spAutoFit/>
+          </a:bodyPr>
+          <a:lstStyle/>
+          <a:p>
+            <a:r>
+              <a:rPr lang="en-US" sz="3000" b="1" dirty="0"/>
+              <a:t>C.</a:t>
+            </a:r>
+          </a:p>
+        </p:txBody>
+      </p:sp>
+      <p:sp>
+        <p:nvSpPr>
+          <p:cNvPr id="25" name="TextBox 24">
+            <a:extLst>
+              <a:ext uri="{FF2B5EF4-FFF2-40B4-BE49-F238E27FC236}">
+                <a16:creationId xmlns:a16="http://schemas.microsoft.com/office/drawing/2014/main" id="{FC1F414D-7C4B-9141-9B03-C0DA48B581CE}"/>
+              </a:ext>
+            </a:extLst>
+          </p:cNvPr>
+          <p:cNvSpPr txBox="1"/>
+          <p:nvPr/>
+        </p:nvSpPr>
+        <p:spPr>
+          <a:xfrm>
+            <a:off x="4117472" y="2793410"/>
+            <a:ext cx="811913" cy="553998"/>
+          </a:xfrm>
+          <a:prstGeom prst="rect">
+            <a:avLst/>
+          </a:prstGeom>
+          <a:noFill/>
+        </p:spPr>
+        <p:txBody>
+          <a:bodyPr wrap="square" rtlCol="0">
+            <a:spAutoFit/>
+          </a:bodyPr>
+          <a:lstStyle/>
+          <a:p>
+            <a:r>
+              <a:rPr lang="en-US" sz="3000" b="1" dirty="0"/>
+              <a:t>D.</a:t>
+            </a:r>
+          </a:p>
+        </p:txBody>
+      </p:sp>
       <p:pic>
         <p:nvPicPr>
-          <p:cNvPr id="5" name="Picture 4">
+          <p:cNvPr id="3" name="Picture 2">
             <a:extLst>
               <a:ext uri="{FF2B5EF4-FFF2-40B4-BE49-F238E27FC236}">
-                <a16:creationId xmlns:a16="http://schemas.microsoft.com/office/drawing/2014/main" id="{E0D845E6-6CCC-1F44-8EB7-7AD8E92DCCBA}"/>
+                <a16:creationId xmlns:a16="http://schemas.microsoft.com/office/drawing/2014/main" id="{50DDDD3E-1538-8E41-BC33-6D1640B3401B}"/>
               </a:ext>
             </a:extLst>
           </p:cNvPr>
@@ -3042,8 +3182,8 @@
         </p:blipFill>
         <p:spPr>
           <a:xfrm>
-            <a:off x="4321175" y="3070409"/>
-            <a:ext cx="4063176" cy="2905170"/>
+            <a:off x="4593468" y="3347408"/>
+            <a:ext cx="3772990" cy="2441540"/>
           </a:xfrm>
           <a:prstGeom prst="rect">
             <a:avLst/>
@@ -3052,10 +3192,10 @@
       </p:pic>
       <p:pic>
         <p:nvPicPr>
-          <p:cNvPr id="11" name="Picture 10">
+          <p:cNvPr id="6" name="Picture 5">
             <a:extLst>
               <a:ext uri="{FF2B5EF4-FFF2-40B4-BE49-F238E27FC236}">
-                <a16:creationId xmlns:a16="http://schemas.microsoft.com/office/drawing/2014/main" id="{27C03854-18B7-5141-B14D-F533250B860F}"/>
+                <a16:creationId xmlns:a16="http://schemas.microsoft.com/office/drawing/2014/main" id="{B6FAADC3-AF14-E046-8B25-6EB65B27D34D}"/>
               </a:ext>
             </a:extLst>
           </p:cNvPr>
@@ -3072,8 +3212,8 @@
         </p:blipFill>
         <p:spPr>
           <a:xfrm>
-            <a:off x="460251" y="90697"/>
-            <a:ext cx="3860924" cy="2760560"/>
+            <a:off x="318372" y="3426560"/>
+            <a:ext cx="3965113" cy="2441540"/>
           </a:xfrm>
           <a:prstGeom prst="rect">
             <a:avLst/>
@@ -3082,10 +3222,10 @@
       </p:pic>
       <p:pic>
         <p:nvPicPr>
-          <p:cNvPr id="9" name="Picture 8">
+          <p:cNvPr id="10" name="Picture 9">
             <a:extLst>
               <a:ext uri="{FF2B5EF4-FFF2-40B4-BE49-F238E27FC236}">
-                <a16:creationId xmlns:a16="http://schemas.microsoft.com/office/drawing/2014/main" id="{8E094F5F-D2A4-1C4B-B2A6-10D9D4225D34}"/>
+                <a16:creationId xmlns:a16="http://schemas.microsoft.com/office/drawing/2014/main" id="{F420A66C-0FF8-EB45-8D3A-3A6FDC01B5B9}"/>
               </a:ext>
             </a:extLst>
           </p:cNvPr>
@@ -3102,154 +3242,14 @@
         </p:blipFill>
         <p:spPr>
           <a:xfrm>
-            <a:off x="4321175" y="90697"/>
-            <a:ext cx="3860924" cy="2760560"/>
+            <a:off x="4593468" y="431022"/>
+            <a:ext cx="3772990" cy="2441540"/>
           </a:xfrm>
           <a:prstGeom prst="rect">
             <a:avLst/>
           </a:prstGeom>
         </p:spPr>
       </p:pic>
-      <p:sp>
-        <p:nvSpPr>
-          <p:cNvPr id="12" name="TextBox 11">
-            <a:extLst>
-              <a:ext uri="{FF2B5EF4-FFF2-40B4-BE49-F238E27FC236}">
-                <a16:creationId xmlns:a16="http://schemas.microsoft.com/office/drawing/2014/main" id="{4100477E-9DBE-BD4B-8D1A-E3DAD28BBC6A}"/>
-              </a:ext>
-            </a:extLst>
-          </p:cNvPr>
-          <p:cNvSpPr txBox="1"/>
-          <p:nvPr/>
-        </p:nvSpPr>
-        <p:spPr>
-          <a:xfrm>
-            <a:off x="152360" y="0"/>
-            <a:ext cx="811913" cy="553998"/>
-          </a:xfrm>
-          <a:prstGeom prst="rect">
-            <a:avLst/>
-          </a:prstGeom>
-          <a:noFill/>
-        </p:spPr>
-        <p:txBody>
-          <a:bodyPr wrap="square" rtlCol="0">
-            <a:spAutoFit/>
-          </a:bodyPr>
-          <a:lstStyle/>
-          <a:p>
-            <a:r>
-              <a:rPr lang="en-US" sz="3000" b="1" dirty="0"/>
-              <a:t>A.</a:t>
-            </a:r>
-          </a:p>
-        </p:txBody>
-      </p:sp>
-      <p:sp>
-        <p:nvSpPr>
-          <p:cNvPr id="19" name="TextBox 18">
-            <a:extLst>
-              <a:ext uri="{FF2B5EF4-FFF2-40B4-BE49-F238E27FC236}">
-                <a16:creationId xmlns:a16="http://schemas.microsoft.com/office/drawing/2014/main" id="{AA5BA7A6-C9E7-E046-A2D5-92E9811BDE6D}"/>
-              </a:ext>
-            </a:extLst>
-          </p:cNvPr>
-          <p:cNvSpPr txBox="1"/>
-          <p:nvPr/>
-        </p:nvSpPr>
-        <p:spPr>
-          <a:xfrm>
-            <a:off x="4117472" y="0"/>
-            <a:ext cx="811913" cy="553998"/>
-          </a:xfrm>
-          <a:prstGeom prst="rect">
-            <a:avLst/>
-          </a:prstGeom>
-          <a:noFill/>
-        </p:spPr>
-        <p:txBody>
-          <a:bodyPr wrap="square" rtlCol="0">
-            <a:spAutoFit/>
-          </a:bodyPr>
-          <a:lstStyle/>
-          <a:p>
-            <a:r>
-              <a:rPr lang="en-US" sz="3000" b="1" dirty="0"/>
-              <a:t>B.</a:t>
-            </a:r>
-          </a:p>
-        </p:txBody>
-      </p:sp>
-      <p:sp>
-        <p:nvSpPr>
-          <p:cNvPr id="21" name="TextBox 20">
-            <a:extLst>
-              <a:ext uri="{FF2B5EF4-FFF2-40B4-BE49-F238E27FC236}">
-                <a16:creationId xmlns:a16="http://schemas.microsoft.com/office/drawing/2014/main" id="{79DC0E1D-CA77-4645-9BA2-6EAC9BF91923}"/>
-              </a:ext>
-            </a:extLst>
-          </p:cNvPr>
-          <p:cNvSpPr txBox="1"/>
-          <p:nvPr/>
-        </p:nvSpPr>
-        <p:spPr>
-          <a:xfrm>
-            <a:off x="152359" y="2872562"/>
-            <a:ext cx="811913" cy="553998"/>
-          </a:xfrm>
-          <a:prstGeom prst="rect">
-            <a:avLst/>
-          </a:prstGeom>
-          <a:noFill/>
-        </p:spPr>
-        <p:txBody>
-          <a:bodyPr wrap="square" rtlCol="0">
-            <a:spAutoFit/>
-          </a:bodyPr>
-          <a:lstStyle/>
-          <a:p>
-            <a:r>
-              <a:rPr lang="en-US" sz="3000" b="1" dirty="0"/>
-              <a:t>C.</a:t>
-            </a:r>
-          </a:p>
-        </p:txBody>
-      </p:sp>
-      <p:sp>
-        <p:nvSpPr>
-          <p:cNvPr id="25" name="TextBox 24">
-            <a:extLst>
-              <a:ext uri="{FF2B5EF4-FFF2-40B4-BE49-F238E27FC236}">
-                <a16:creationId xmlns:a16="http://schemas.microsoft.com/office/drawing/2014/main" id="{FC1F414D-7C4B-9141-9B03-C0DA48B581CE}"/>
-              </a:ext>
-            </a:extLst>
-          </p:cNvPr>
-          <p:cNvSpPr txBox="1"/>
-          <p:nvPr/>
-        </p:nvSpPr>
-        <p:spPr>
-          <a:xfrm>
-            <a:off x="4117472" y="2793410"/>
-            <a:ext cx="811913" cy="553998"/>
-          </a:xfrm>
-          <a:prstGeom prst="rect">
-            <a:avLst/>
-          </a:prstGeom>
-          <a:noFill/>
-        </p:spPr>
-        <p:txBody>
-          <a:bodyPr wrap="square" rtlCol="0">
-            <a:spAutoFit/>
-          </a:bodyPr>
-          <a:lstStyle/>
-          <a:p>
-            <a:r>
-              <a:rPr lang="en-US" sz="3000" b="1" dirty="0"/>
-              <a:t>D.</a:t>
-            </a:r>
-          </a:p>
-        </p:txBody>
-      </p:sp>
     </p:spTree>
     <p:extLst>
       <p:ext uri="{BB962C8B-B14F-4D97-AF65-F5344CB8AC3E}">
